--- a/Ressources/PicturesWebsite.pptx
+++ b/Ressources/PicturesWebsite.pptx
@@ -6155,19 +6155,7 @@
                             <a:rPr lang="en-US" b="0" i="1" smtClean="0">
                               <a:latin typeface="Cambria Math" panose="02040503050406030204" pitchFamily="18" charset="0"/>
                             </a:rPr>
-                            <m:t>𝑝</m:t>
-                          </m:r>
-                          <m:r>
-                            <a:rPr lang="en-US" b="0" i="1" smtClean="0">
-                              <a:latin typeface="Cambria Math" panose="02040503050406030204" pitchFamily="18" charset="0"/>
-                            </a:rPr>
-                            <m:t>h</m:t>
-                          </m:r>
-                          <m:r>
-                            <a:rPr lang="en-US" b="0" i="1" smtClean="0">
-                              <a:latin typeface="Cambria Math" panose="02040503050406030204" pitchFamily="18" charset="0"/>
-                            </a:rPr>
-                            <m:t>𝑎𝑠𝑒</m:t>
+                            <m:t>𝑝h𝑎𝑠𝑒</m:t>
                           </m:r>
                           <m:r>
                             <a:rPr lang="en-US" b="0" i="1" smtClean="0">
@@ -6179,19 +6167,7 @@
                             <a:rPr lang="en-US" b="0" i="1" smtClean="0">
                               <a:latin typeface="Cambria Math" panose="02040503050406030204" pitchFamily="18" charset="0"/>
                             </a:rPr>
-                            <m:t>𝑠</m:t>
-                          </m:r>
-                          <m:r>
-                            <a:rPr lang="en-US" b="0" i="1" smtClean="0">
-                              <a:latin typeface="Cambria Math" panose="02040503050406030204" pitchFamily="18" charset="0"/>
-                            </a:rPr>
-                            <m:t>h</m:t>
-                          </m:r>
-                          <m:r>
-                            <a:rPr lang="en-US" b="0" i="1" smtClean="0">
-                              <a:latin typeface="Cambria Math" panose="02040503050406030204" pitchFamily="18" charset="0"/>
-                            </a:rPr>
-                            <m:t>𝑖𝑓𝑡</m:t>
+                            <m:t>𝑠h𝑖𝑓𝑡</m:t>
                           </m:r>
                         </m:e>
                       </m:d>
@@ -6228,13 +6204,7 @@
                             <a:rPr lang="en-US" b="0" i="1" smtClean="0">
                               <a:latin typeface="Cambria Math" panose="02040503050406030204" pitchFamily="18" charset="0"/>
                             </a:rPr>
-                            <m:t>−</m:t>
-                          </m:r>
-                          <m:r>
-                            <a:rPr lang="en-US" b="0" i="1" smtClean="0">
-                              <a:latin typeface="Cambria Math" panose="02040503050406030204" pitchFamily="18" charset="0"/>
-                            </a:rPr>
-                            <m:t>1</m:t>
+                            <m:t>−1</m:t>
                           </m:r>
                         </m:sup>
                       </m:sSup>
@@ -6523,13 +6493,7 @@
                             <a:rPr lang="en-US" b="0" i="1" smtClean="0">
                               <a:latin typeface="Cambria Math" panose="02040503050406030204" pitchFamily="18" charset="0"/>
                             </a:rPr>
-                            <m:t>−</m:t>
-                          </m:r>
-                          <m:r>
-                            <a:rPr lang="en-US" b="0" i="1" smtClean="0">
-                              <a:latin typeface="Cambria Math" panose="02040503050406030204" pitchFamily="18" charset="0"/>
-                            </a:rPr>
-                            <m:t>1</m:t>
+                            <m:t>−1</m:t>
                           </m:r>
                         </m:sup>
                       </m:sSup>
@@ -7320,7 +7284,7 @@
         </p:blipFill>
         <p:spPr>
           <a:xfrm>
-            <a:off x="3902184" y="1503061"/>
+            <a:off x="2663320" y="883629"/>
             <a:ext cx="4466391" cy="3349596"/>
           </a:xfrm>
           <a:prstGeom prst="rect">
